--- a/extra/AzurePrequel.pptx
+++ b/extra/AzurePrequel.pptx
@@ -157,6 +157,14 @@
 <p:cmAuthorLst xmlns:a="http://schemas.openxmlformats.org/drawingml/2006/main" xmlns:r="http://schemas.openxmlformats.org/officeDocument/2006/relationships" xmlns:p="http://schemas.openxmlformats.org/presentationml/2006/main">
   <p:cmAuthor id="5" name="Auteur" initials="A" lastIdx="0" clrIdx="5"/>
 </p:cmAuthorLst>
+</file>
+
+<file path=ppt/revisionInfo.xml><?xml version="1.0" encoding="utf-8"?>
+<p1510:revInfo xmlns:a="http://schemas.openxmlformats.org/drawingml/2006/main" xmlns:r="http://schemas.openxmlformats.org/officeDocument/2006/relationships" xmlns:p1510="http://schemas.microsoft.com/office/powerpoint/2015/10/main">
+  <p1510:revLst>
+    <p1510:client id="{DBDB5026-9156-4A16-A7F9-FCC2C6BF80FA}" v="1" dt="2022-04-04T14:39:57.377"/>
+  </p1510:revLst>
+</p1510:revInfo>
 </file>
 
 <file path=ppt/diagrams/colors1.xml><?xml version="1.0" encoding="utf-8"?>
@@ -8309,7 +8317,7 @@
               <a:rPr lang="en-US" smtClean="0">
                 <a:latin typeface="Segoe UI" pitchFamily="34" charset="0"/>
               </a:rPr>
-              <a:t>2/28/2020 12:36 PM</a:t>
+              <a:t>4/4/2022 4:39 PM</a:t>
             </a:fld>
             <a:endParaRPr lang="en-US" dirty="0">
               <a:latin typeface="Segoe UI" pitchFamily="34" charset="0"/>
@@ -8587,7 +8595,7 @@
           <a:p>
             <a:fld id="{386CE63F-9E7F-4C04-9D0D-FCA25A8E9E86}" type="datetime8">
               <a:rPr lang="en-US" smtClean="0"/>
-              <a:t>2/28/2020 12:36 PM</a:t>
+              <a:t>4/4/2022 4:36 PM</a:t>
             </a:fld>
             <a:endParaRPr lang="en-US" dirty="0"/>
           </a:p>
@@ -8957,7 +8965,7 @@
           <a:p>
             <a:fld id="{3619146B-24F9-441E-A368-DB3B5A84C1D4}" type="datetime8">
               <a:rPr lang="en-US" smtClean="0"/>
-              <a:t>2/28/2020 12:36 PM</a:t>
+              <a:t>4/4/2022 4:36 PM</a:t>
             </a:fld>
             <a:endParaRPr lang="en-US" dirty="0"/>
           </a:p>
@@ -9193,7 +9201,7 @@
           <a:p>
             <a:fld id="{386CE63F-9E7F-4C04-9D0D-FCA25A8E9E86}" type="datetime8">
               <a:rPr lang="en-US" smtClean="0"/>
-              <a:t>2/28/2020 12:36 PM</a:t>
+              <a:t>4/4/2022 4:36 PM</a:t>
             </a:fld>
             <a:endParaRPr lang="en-US" dirty="0"/>
           </a:p>
@@ -9416,7 +9424,7 @@
           <a:p>
             <a:fld id="{386CE63F-9E7F-4C04-9D0D-FCA25A8E9E86}" type="datetime8">
               <a:rPr lang="en-US" smtClean="0"/>
-              <a:t>2/28/2020 12:36 PM</a:t>
+              <a:t>4/4/2022 4:36 PM</a:t>
             </a:fld>
             <a:endParaRPr lang="en-US" dirty="0"/>
           </a:p>
@@ -9640,7 +9648,7 @@
           <a:p>
             <a:fld id="{386CE63F-9E7F-4C04-9D0D-FCA25A8E9E86}" type="datetime8">
               <a:rPr lang="en-US" smtClean="0"/>
-              <a:t>2/28/2020 12:36 PM</a:t>
+              <a:t>4/4/2022 4:36 PM</a:t>
             </a:fld>
             <a:endParaRPr lang="en-US" dirty="0"/>
           </a:p>
@@ -9816,7 +9824,7 @@
           <a:p>
             <a:fld id="{72E0C910-0166-48E0-B8EF-5071277A02A8}" type="datetime8">
               <a:rPr lang="en-US" smtClean="0"/>
-              <a:t>2/28/2020 12:36 PM</a:t>
+              <a:t>4/4/2022 4:36 PM</a:t>
             </a:fld>
             <a:endParaRPr lang="en-US" dirty="0"/>
           </a:p>
@@ -10086,7 +10094,7 @@
           <a:p>
             <a:fld id="{386CE63F-9E7F-4C04-9D0D-FCA25A8E9E86}" type="datetime8">
               <a:rPr lang="en-US" smtClean="0"/>
-              <a:t>2/28/2020 12:36 PM</a:t>
+              <a:t>4/4/2022 4:36 PM</a:t>
             </a:fld>
             <a:endParaRPr lang="en-US" dirty="0"/>
           </a:p>
@@ -10334,7 +10342,7 @@
       </p:transition>
     </mc:Fallback>
   </mc:AlternateContent>
-  <p:extLst mod="1">
+  <p:extLst>
     <p:ext uri="{DCECCB84-F9BA-43D5-87BE-67443E8EF086}">
       <p15:sldGuideLst xmlns:p15="http://schemas.microsoft.com/office/powerpoint/2012/main">
         <p15:guide id="1" orient="horz" pos="2228">
@@ -10421,7 +10429,7 @@
   <p:transition>
     <p:fade/>
   </p:transition>
-  <p:extLst mod="1">
+  <p:extLst>
     <p:ext uri="{DCECCB84-F9BA-43D5-87BE-67443E8EF086}">
       <p15:sldGuideLst xmlns:p15="http://schemas.microsoft.com/office/powerpoint/2012/main">
         <p15:guide id="6" pos="779">
@@ -10626,7 +10634,7 @@
   <p:transition>
     <p:fade/>
   </p:transition>
-  <p:extLst mod="1">
+  <p:extLst>
     <p:ext uri="{DCECCB84-F9BA-43D5-87BE-67443E8EF086}">
       <p15:sldGuideLst xmlns:p15="http://schemas.microsoft.com/office/powerpoint/2012/main">
         <p15:guide id="6" pos="779">
@@ -10790,7 +10798,7 @@
   <p:transition>
     <p:fade/>
   </p:transition>
-  <p:extLst mod="1">
+  <p:extLst>
     <p:ext uri="{DCECCB84-F9BA-43D5-87BE-67443E8EF086}">
       <p15:sldGuideLst xmlns:p15="http://schemas.microsoft.com/office/powerpoint/2012/main">
         <p15:guide id="1" orient="horz" pos="1272" userDrawn="1">
@@ -10849,7 +10857,7 @@
   <p:transition>
     <p:fade/>
   </p:transition>
-  <p:extLst mod="1">
+  <p:extLst>
     <p:ext uri="{DCECCB84-F9BA-43D5-87BE-67443E8EF086}">
       <p15:sldGuideLst xmlns:p15="http://schemas.microsoft.com/office/powerpoint/2012/main">
         <p15:guide id="1" orient="horz" pos="904" userDrawn="1">
@@ -11089,7 +11097,7 @@
   <p:transition>
     <p:fade/>
   </p:transition>
-  <p:extLst mod="1">
+  <p:extLst>
     <p:ext uri="{DCECCB84-F9BA-43D5-87BE-67443E8EF086}">
       <p15:sldGuideLst xmlns:p15="http://schemas.microsoft.com/office/powerpoint/2012/main">
         <p15:guide id="1" orient="horz" pos="1272" userDrawn="1">
@@ -11465,7 +11473,7 @@
   <p:transition>
     <p:fade/>
   </p:transition>
-  <p:extLst mod="1">
+  <p:extLst>
     <p:ext uri="{DCECCB84-F9BA-43D5-87BE-67443E8EF086}">
       <p15:sldGuideLst xmlns:p15="http://schemas.microsoft.com/office/powerpoint/2012/main">
         <p15:guide id="1" orient="horz" pos="904" userDrawn="1">
@@ -11827,7 +11835,7 @@
       </p:transition>
     </mc:Fallback>
   </mc:AlternateContent>
-  <p:extLst mod="1">
+  <p:extLst>
     <p:ext uri="{DCECCB84-F9BA-43D5-87BE-67443E8EF086}">
       <p15:sldGuideLst xmlns:p15="http://schemas.microsoft.com/office/powerpoint/2012/main">
         <p15:guide id="2" orient="horz" pos="2496" userDrawn="1">
@@ -12123,7 +12131,7 @@
       </p:transition>
     </mc:Fallback>
   </mc:AlternateContent>
-  <p:extLst mod="1">
+  <p:extLst>
     <p:ext uri="{DCECCB84-F9BA-43D5-87BE-67443E8EF086}">
       <p15:sldGuideLst xmlns:p15="http://schemas.microsoft.com/office/powerpoint/2012/main">
         <p15:guide id="2" orient="horz" pos="2496">
@@ -12332,7 +12340,7 @@
       </p:transition>
     </mc:Fallback>
   </mc:AlternateContent>
-  <p:extLst mod="1">
+  <p:extLst>
     <p:ext uri="{DCECCB84-F9BA-43D5-87BE-67443E8EF086}">
       <p15:sldGuideLst xmlns:p15="http://schemas.microsoft.com/office/powerpoint/2012/main">
         <p15:guide id="1" orient="horz" pos="2228">
@@ -12500,7 +12508,7 @@
   <p:transition>
     <p:fade/>
   </p:transition>
-  <p:extLst mod="1">
+  <p:extLst>
     <p:ext uri="{DCECCB84-F9BA-43D5-87BE-67443E8EF086}">
       <p15:sldGuideLst xmlns:p15="http://schemas.microsoft.com/office/powerpoint/2012/main">
         <p15:guide id="1" orient="horz" pos="288" userDrawn="1">
@@ -12640,7 +12648,7 @@
   <p:transition>
     <p:fade/>
   </p:transition>
-  <p:extLst mod="1">
+  <p:extLst>
     <p:ext uri="{DCECCB84-F9BA-43D5-87BE-67443E8EF086}">
       <p15:sldGuideLst xmlns:p15="http://schemas.microsoft.com/office/powerpoint/2012/main">
         <p15:guide id="2" orient="horz" pos="1272" userDrawn="1">
@@ -12920,7 +12928,7 @@
   <p:transition>
     <p:fade/>
   </p:transition>
-  <p:extLst mod="1">
+  <p:extLst>
     <p:ext uri="{DCECCB84-F9BA-43D5-87BE-67443E8EF086}">
       <p15:sldGuideLst xmlns:p15="http://schemas.microsoft.com/office/powerpoint/2012/main">
         <p15:guide id="1" orient="horz" pos="288" userDrawn="1">
@@ -13200,7 +13208,7 @@
   <p:transition>
     <p:fade/>
   </p:transition>
-  <p:extLst mod="1">
+  <p:extLst>
     <p:ext uri="{DCECCB84-F9BA-43D5-87BE-67443E8EF086}">
       <p15:sldGuideLst xmlns:p15="http://schemas.microsoft.com/office/powerpoint/2012/main">
         <p15:guide id="1" orient="horz" pos="288" userDrawn="1">
@@ -13282,7 +13290,7 @@
   <p:transition>
     <p:fade/>
   </p:transition>
-  <p:extLst mod="1">
+  <p:extLst>
     <p:ext uri="{DCECCB84-F9BA-43D5-87BE-67443E8EF086}">
       <p15:sldGuideLst xmlns:p15="http://schemas.microsoft.com/office/powerpoint/2012/main">
         <p15:guide id="3" orient="horz" pos="900" userDrawn="1">
@@ -15514,7 +15522,7 @@
       </a:lvl9pPr>
     </p:otherStyle>
   </p:txStyles>
-  <p:extLst mod="1">
+  <p:extLst>
     <p:ext uri="{27BBF7A9-308A-43DC-89C8-2F10F3537804}">
       <p15:sldGuideLst xmlns:p15="http://schemas.microsoft.com/office/powerpoint/2012/main">
         <p15:guide id="16" pos="368" userDrawn="1">
@@ -17160,10 +17168,10 @@
       </p:pic>
       <p:pic>
         <p:nvPicPr>
-          <p:cNvPr id="24" name="Image 23">
+          <p:cNvPr id="6" name="Image 5" descr="Une image contenant texte, clipart&#10;&#10;Description générée automatiquement">
             <a:extLst>
               <a:ext uri="{FF2B5EF4-FFF2-40B4-BE49-F238E27FC236}">
-                <a16:creationId xmlns:a16="http://schemas.microsoft.com/office/drawing/2014/main" id="{018B670D-191C-495F-9840-202F6479C53A}"/>
+                <a16:creationId xmlns:a16="http://schemas.microsoft.com/office/drawing/2014/main" id="{002D2194-CF2F-432D-836B-B411E6287F14}"/>
               </a:ext>
             </a:extLst>
           </p:cNvPr>
@@ -17180,8 +17188,8 @@
         </p:blipFill>
         <p:spPr>
           <a:xfrm>
-            <a:off x="8435895" y="6205182"/>
-            <a:ext cx="2108748" cy="485326"/>
+            <a:off x="7896078" y="6205182"/>
+            <a:ext cx="3063151" cy="504063"/>
           </a:xfrm>
           <a:prstGeom prst="rect">
             <a:avLst/>
